--- a/test1.pptx
+++ b/test1.pptx
@@ -107,35 +107,27 @@
 </p:presentation>
 </file>
 
-<file path=ppt/revisionInfo.xml><?xml version="1.0" encoding="utf-8"?>
-<p1510:revInfo xmlns:a="http://schemas.openxmlformats.org/drawingml/2006/main" xmlns:r="http://schemas.openxmlformats.org/officeDocument/2006/relationships" xmlns:p1510="http://schemas.microsoft.com/office/powerpoint/2015/10/main">
-  <p1510:revLst>
-    <p1510:client id="{3138A4C0-EE10-4E2B-8B2A-60878FBC1CB5}" v="1" dt="2025-09-29T07:40:08.226"/>
-  </p1510:revLst>
-</p1510:revInfo>
-</file>
-
 <file path=ppt/changesInfos/changesInfo1.xml><?xml version="1.0" encoding="utf-8"?>
 <pc:chgInfo xmlns:a="http://schemas.openxmlformats.org/drawingml/2006/main" xmlns:r="http://schemas.openxmlformats.org/officeDocument/2006/relationships" xmlns:ac="http://schemas.microsoft.com/office/drawing/2013/main/command" xmlns:pc="http://schemas.microsoft.com/office/powerpoint/2013/main/command">
   <pc:docChgLst>
     <pc:chgData name="Instructor7 Techbob" userId="b1191c1eb880d70a" providerId="LiveId" clId="{565BF661-A203-4370-8332-53C2A56EA27A}"/>
-    <pc:docChg chg="addSld modSld">
-      <pc:chgData name="Instructor7 Techbob" userId="b1191c1eb880d70a" providerId="LiveId" clId="{565BF661-A203-4370-8332-53C2A56EA27A}" dt="2025-09-29T07:40:08.226" v="2"/>
+    <pc:docChg chg="custSel addSld modSld">
+      <pc:chgData name="Instructor7 Techbob" userId="b1191c1eb880d70a" providerId="LiveId" clId="{565BF661-A203-4370-8332-53C2A56EA27A}" dt="2025-09-29T07:40:20.290" v="25" actId="20577"/>
       <pc:docMkLst>
         <pc:docMk/>
       </pc:docMkLst>
       <pc:sldChg chg="modSp new mod">
-        <pc:chgData name="Instructor7 Techbob" userId="b1191c1eb880d70a" providerId="LiveId" clId="{565BF661-A203-4370-8332-53C2A56EA27A}" dt="2025-09-29T07:40:08.226" v="2"/>
+        <pc:chgData name="Instructor7 Techbob" userId="b1191c1eb880d70a" providerId="LiveId" clId="{565BF661-A203-4370-8332-53C2A56EA27A}" dt="2025-09-29T07:40:20.290" v="25" actId="20577"/>
         <pc:sldMkLst>
           <pc:docMk/>
-          <pc:sldMk cId="1151859274" sldId="256"/>
+          <pc:sldMk cId="4188321521" sldId="256"/>
         </pc:sldMkLst>
         <pc:spChg chg="mod">
-          <ac:chgData name="Instructor7 Techbob" userId="b1191c1eb880d70a" providerId="LiveId" clId="{565BF661-A203-4370-8332-53C2A56EA27A}" dt="2025-09-29T07:40:08.226" v="2"/>
+          <ac:chgData name="Instructor7 Techbob" userId="b1191c1eb880d70a" providerId="LiveId" clId="{565BF661-A203-4370-8332-53C2A56EA27A}" dt="2025-09-29T07:40:20.290" v="25" actId="20577"/>
           <ac:spMkLst>
             <pc:docMk/>
-            <pc:sldMk cId="1151859274" sldId="256"/>
-            <ac:spMk id="2" creationId="{34BCEC07-6143-AA66-2BE7-32AF5A62ED50}"/>
+            <pc:sldMk cId="4188321521" sldId="256"/>
+            <ac:spMk id="2" creationId="{C41661F1-59CF-9BF1-3970-14BA73556849}"/>
           </ac:spMkLst>
         </pc:spChg>
       </pc:sldChg>
@@ -166,7 +158,7 @@
           <p:cNvPr id="2" name="標題 1">
             <a:extLst>
               <a:ext uri="{FF2B5EF4-FFF2-40B4-BE49-F238E27FC236}">
-                <a16:creationId xmlns:a16="http://schemas.microsoft.com/office/drawing/2014/main" id="{95F47715-2D41-CC98-7B89-B059B310D1B9}"/>
+                <a16:creationId xmlns:a16="http://schemas.microsoft.com/office/drawing/2014/main" id="{39DCD75D-59BB-EF16-1760-EA50F4A38ADA}"/>
               </a:ext>
             </a:extLst>
           </p:cNvPr>
@@ -204,7 +196,7 @@
           <p:cNvPr id="3" name="副標題 2">
             <a:extLst>
               <a:ext uri="{FF2B5EF4-FFF2-40B4-BE49-F238E27FC236}">
-                <a16:creationId xmlns:a16="http://schemas.microsoft.com/office/drawing/2014/main" id="{044CE84C-5D28-C716-6BCD-3D34F15B456D}"/>
+                <a16:creationId xmlns:a16="http://schemas.microsoft.com/office/drawing/2014/main" id="{1CE3AD2F-62FC-6663-50FE-9D535F79382C}"/>
               </a:ext>
             </a:extLst>
           </p:cNvPr>
@@ -275,7 +267,7 @@
           <p:cNvPr id="4" name="日期版面配置區 3">
             <a:extLst>
               <a:ext uri="{FF2B5EF4-FFF2-40B4-BE49-F238E27FC236}">
-                <a16:creationId xmlns:a16="http://schemas.microsoft.com/office/drawing/2014/main" id="{F2B55033-DDEF-9758-D16A-702903D6D005}"/>
+                <a16:creationId xmlns:a16="http://schemas.microsoft.com/office/drawing/2014/main" id="{05E8F4AD-8E4B-2513-6F25-2B9F41B4AD64}"/>
               </a:ext>
             </a:extLst>
           </p:cNvPr>
@@ -291,7 +283,7 @@
           <a:bodyPr/>
           <a:lstStyle/>
           <a:p>
-            <a:fld id="{B9B9B7C4-E053-44E1-8797-1B116B698902}" type="datetimeFigureOut">
+            <a:fld id="{5919C030-F111-4C87-9715-EFB5D859331C}" type="datetimeFigureOut">
               <a:rPr lang="zh-HK" altLang="en-US" smtClean="0"/>
               <a:t>29/9/2025</a:t>
             </a:fld>
@@ -304,7 +296,7 @@
           <p:cNvPr id="5" name="頁尾版面配置區 4">
             <a:extLst>
               <a:ext uri="{FF2B5EF4-FFF2-40B4-BE49-F238E27FC236}">
-                <a16:creationId xmlns:a16="http://schemas.microsoft.com/office/drawing/2014/main" id="{E63C66B3-D1DC-02F2-CFB8-85F3659BF678}"/>
+                <a16:creationId xmlns:a16="http://schemas.microsoft.com/office/drawing/2014/main" id="{4DCF13D5-2292-5954-180A-5D61C7760775}"/>
               </a:ext>
             </a:extLst>
           </p:cNvPr>
@@ -329,7 +321,7 @@
           <p:cNvPr id="6" name="投影片編號版面配置區 5">
             <a:extLst>
               <a:ext uri="{FF2B5EF4-FFF2-40B4-BE49-F238E27FC236}">
-                <a16:creationId xmlns:a16="http://schemas.microsoft.com/office/drawing/2014/main" id="{1CC3FB62-7A99-0CED-98E1-0BCECA084480}"/>
+                <a16:creationId xmlns:a16="http://schemas.microsoft.com/office/drawing/2014/main" id="{737452FB-3557-4D53-8513-22FD92E9DDAF}"/>
               </a:ext>
             </a:extLst>
           </p:cNvPr>
@@ -345,7 +337,7 @@
           <a:bodyPr/>
           <a:lstStyle/>
           <a:p>
-            <a:fld id="{CB9FCF64-14CD-4C83-AC58-26C0E775F477}" type="slidenum">
+            <a:fld id="{A23C8CA2-805B-421B-B9B3-9F64CBAAE103}" type="slidenum">
               <a:rPr lang="zh-HK" altLang="en-US" smtClean="0"/>
               <a:t>‹#›</a:t>
             </a:fld>
@@ -356,7 +348,7 @@
     </p:spTree>
     <p:extLst>
       <p:ext uri="{BB962C8B-B14F-4D97-AF65-F5344CB8AC3E}">
-        <p14:creationId xmlns:p14="http://schemas.microsoft.com/office/powerpoint/2010/main" val="241987615"/>
+        <p14:creationId xmlns:p14="http://schemas.microsoft.com/office/powerpoint/2010/main" val="2151527444"/>
       </p:ext>
     </p:extLst>
   </p:cSld>
@@ -388,7 +380,7 @@
           <p:cNvPr id="2" name="標題 1">
             <a:extLst>
               <a:ext uri="{FF2B5EF4-FFF2-40B4-BE49-F238E27FC236}">
-                <a16:creationId xmlns:a16="http://schemas.microsoft.com/office/drawing/2014/main" id="{463F930F-8AED-735E-7081-F019470E07C0}"/>
+                <a16:creationId xmlns:a16="http://schemas.microsoft.com/office/drawing/2014/main" id="{BD299A8A-603E-B05A-22DD-E038C8AA158F}"/>
               </a:ext>
             </a:extLst>
           </p:cNvPr>
@@ -417,7 +409,7 @@
           <p:cNvPr id="3" name="直排文字版面配置區 2">
             <a:extLst>
               <a:ext uri="{FF2B5EF4-FFF2-40B4-BE49-F238E27FC236}">
-                <a16:creationId xmlns:a16="http://schemas.microsoft.com/office/drawing/2014/main" id="{98A0D583-DA60-CA24-80B3-5C515458B2C0}"/>
+                <a16:creationId xmlns:a16="http://schemas.microsoft.com/office/drawing/2014/main" id="{1107428B-8A30-1E7A-4343-019C6999A0CA}"/>
               </a:ext>
             </a:extLst>
           </p:cNvPr>
@@ -475,7 +467,7 @@
           <p:cNvPr id="4" name="日期版面配置區 3">
             <a:extLst>
               <a:ext uri="{FF2B5EF4-FFF2-40B4-BE49-F238E27FC236}">
-                <a16:creationId xmlns:a16="http://schemas.microsoft.com/office/drawing/2014/main" id="{FAF5F63A-5F20-DF58-2971-779D7575D0F0}"/>
+                <a16:creationId xmlns:a16="http://schemas.microsoft.com/office/drawing/2014/main" id="{B3D4B1C9-F481-A4D7-29C5-71ED98B60FAE}"/>
               </a:ext>
             </a:extLst>
           </p:cNvPr>
@@ -491,7 +483,7 @@
           <a:bodyPr/>
           <a:lstStyle/>
           <a:p>
-            <a:fld id="{B9B9B7C4-E053-44E1-8797-1B116B698902}" type="datetimeFigureOut">
+            <a:fld id="{5919C030-F111-4C87-9715-EFB5D859331C}" type="datetimeFigureOut">
               <a:rPr lang="zh-HK" altLang="en-US" smtClean="0"/>
               <a:t>29/9/2025</a:t>
             </a:fld>
@@ -504,7 +496,7 @@
           <p:cNvPr id="5" name="頁尾版面配置區 4">
             <a:extLst>
               <a:ext uri="{FF2B5EF4-FFF2-40B4-BE49-F238E27FC236}">
-                <a16:creationId xmlns:a16="http://schemas.microsoft.com/office/drawing/2014/main" id="{8B840323-6BF9-3C67-5096-AF26A5ACE91C}"/>
+                <a16:creationId xmlns:a16="http://schemas.microsoft.com/office/drawing/2014/main" id="{B0D7B795-3E47-CE03-025D-034F1096B1CA}"/>
               </a:ext>
             </a:extLst>
           </p:cNvPr>
@@ -529,7 +521,7 @@
           <p:cNvPr id="6" name="投影片編號版面配置區 5">
             <a:extLst>
               <a:ext uri="{FF2B5EF4-FFF2-40B4-BE49-F238E27FC236}">
-                <a16:creationId xmlns:a16="http://schemas.microsoft.com/office/drawing/2014/main" id="{D647B010-FF9A-A1D9-965C-663ECA96996E}"/>
+                <a16:creationId xmlns:a16="http://schemas.microsoft.com/office/drawing/2014/main" id="{2E83883B-65C6-C13A-FCA9-7D5F0B70023C}"/>
               </a:ext>
             </a:extLst>
           </p:cNvPr>
@@ -545,7 +537,7 @@
           <a:bodyPr/>
           <a:lstStyle/>
           <a:p>
-            <a:fld id="{CB9FCF64-14CD-4C83-AC58-26C0E775F477}" type="slidenum">
+            <a:fld id="{A23C8CA2-805B-421B-B9B3-9F64CBAAE103}" type="slidenum">
               <a:rPr lang="zh-HK" altLang="en-US" smtClean="0"/>
               <a:t>‹#›</a:t>
             </a:fld>
@@ -556,7 +548,7 @@
     </p:spTree>
     <p:extLst>
       <p:ext uri="{BB962C8B-B14F-4D97-AF65-F5344CB8AC3E}">
-        <p14:creationId xmlns:p14="http://schemas.microsoft.com/office/powerpoint/2010/main" val="547058172"/>
+        <p14:creationId xmlns:p14="http://schemas.microsoft.com/office/powerpoint/2010/main" val="282633647"/>
       </p:ext>
     </p:extLst>
   </p:cSld>
@@ -588,7 +580,7 @@
           <p:cNvPr id="2" name="直排標題 1">
             <a:extLst>
               <a:ext uri="{FF2B5EF4-FFF2-40B4-BE49-F238E27FC236}">
-                <a16:creationId xmlns:a16="http://schemas.microsoft.com/office/drawing/2014/main" id="{7B547534-0EEF-7E4A-A512-3A2BA56B48DC}"/>
+                <a16:creationId xmlns:a16="http://schemas.microsoft.com/office/drawing/2014/main" id="{AC43CE06-340C-B35E-22C2-A64D66435957}"/>
               </a:ext>
             </a:extLst>
           </p:cNvPr>
@@ -622,7 +614,7 @@
           <p:cNvPr id="3" name="直排文字版面配置區 2">
             <a:extLst>
               <a:ext uri="{FF2B5EF4-FFF2-40B4-BE49-F238E27FC236}">
-                <a16:creationId xmlns:a16="http://schemas.microsoft.com/office/drawing/2014/main" id="{A77CBB7F-B3D7-82E8-A485-E3DA92E1B3F1}"/>
+                <a16:creationId xmlns:a16="http://schemas.microsoft.com/office/drawing/2014/main" id="{3E66FBC3-739B-078F-C52B-E6CA78008133}"/>
               </a:ext>
             </a:extLst>
           </p:cNvPr>
@@ -685,7 +677,7 @@
           <p:cNvPr id="4" name="日期版面配置區 3">
             <a:extLst>
               <a:ext uri="{FF2B5EF4-FFF2-40B4-BE49-F238E27FC236}">
-                <a16:creationId xmlns:a16="http://schemas.microsoft.com/office/drawing/2014/main" id="{EEC8EC0F-2F13-D367-0A42-EBC688DAB2F4}"/>
+                <a16:creationId xmlns:a16="http://schemas.microsoft.com/office/drawing/2014/main" id="{22F17164-AE64-72BD-9787-55526A67B2FF}"/>
               </a:ext>
             </a:extLst>
           </p:cNvPr>
@@ -701,7 +693,7 @@
           <a:bodyPr/>
           <a:lstStyle/>
           <a:p>
-            <a:fld id="{B9B9B7C4-E053-44E1-8797-1B116B698902}" type="datetimeFigureOut">
+            <a:fld id="{5919C030-F111-4C87-9715-EFB5D859331C}" type="datetimeFigureOut">
               <a:rPr lang="zh-HK" altLang="en-US" smtClean="0"/>
               <a:t>29/9/2025</a:t>
             </a:fld>
@@ -714,7 +706,7 @@
           <p:cNvPr id="5" name="頁尾版面配置區 4">
             <a:extLst>
               <a:ext uri="{FF2B5EF4-FFF2-40B4-BE49-F238E27FC236}">
-                <a16:creationId xmlns:a16="http://schemas.microsoft.com/office/drawing/2014/main" id="{3A580731-D811-B3ED-7AD7-F1055C734522}"/>
+                <a16:creationId xmlns:a16="http://schemas.microsoft.com/office/drawing/2014/main" id="{250E9E2B-039E-84D4-C792-9C0178D21A6A}"/>
               </a:ext>
             </a:extLst>
           </p:cNvPr>
@@ -739,7 +731,7 @@
           <p:cNvPr id="6" name="投影片編號版面配置區 5">
             <a:extLst>
               <a:ext uri="{FF2B5EF4-FFF2-40B4-BE49-F238E27FC236}">
-                <a16:creationId xmlns:a16="http://schemas.microsoft.com/office/drawing/2014/main" id="{8F7E059F-4369-0E7F-86D7-2696F45506CC}"/>
+                <a16:creationId xmlns:a16="http://schemas.microsoft.com/office/drawing/2014/main" id="{31B9B694-E807-D1CC-7B19-4D9CD2FB4853}"/>
               </a:ext>
             </a:extLst>
           </p:cNvPr>
@@ -755,7 +747,7 @@
           <a:bodyPr/>
           <a:lstStyle/>
           <a:p>
-            <a:fld id="{CB9FCF64-14CD-4C83-AC58-26C0E775F477}" type="slidenum">
+            <a:fld id="{A23C8CA2-805B-421B-B9B3-9F64CBAAE103}" type="slidenum">
               <a:rPr lang="zh-HK" altLang="en-US" smtClean="0"/>
               <a:t>‹#›</a:t>
             </a:fld>
@@ -766,7 +758,7 @@
     </p:spTree>
     <p:extLst>
       <p:ext uri="{BB962C8B-B14F-4D97-AF65-F5344CB8AC3E}">
-        <p14:creationId xmlns:p14="http://schemas.microsoft.com/office/powerpoint/2010/main" val="2970949991"/>
+        <p14:creationId xmlns:p14="http://schemas.microsoft.com/office/powerpoint/2010/main" val="1808866921"/>
       </p:ext>
     </p:extLst>
   </p:cSld>
@@ -798,7 +790,7 @@
           <p:cNvPr id="2" name="標題 1">
             <a:extLst>
               <a:ext uri="{FF2B5EF4-FFF2-40B4-BE49-F238E27FC236}">
-                <a16:creationId xmlns:a16="http://schemas.microsoft.com/office/drawing/2014/main" id="{6BBDE015-1EBA-533F-D77E-CEA209BC93E2}"/>
+                <a16:creationId xmlns:a16="http://schemas.microsoft.com/office/drawing/2014/main" id="{BB07314E-81DD-7FDC-B54C-DAB86A2E4D81}"/>
               </a:ext>
             </a:extLst>
           </p:cNvPr>
@@ -827,7 +819,7 @@
           <p:cNvPr id="3" name="內容版面配置區 2">
             <a:extLst>
               <a:ext uri="{FF2B5EF4-FFF2-40B4-BE49-F238E27FC236}">
-                <a16:creationId xmlns:a16="http://schemas.microsoft.com/office/drawing/2014/main" id="{5860D5E3-EAF8-05F6-E30D-523E3E9CB3FA}"/>
+                <a16:creationId xmlns:a16="http://schemas.microsoft.com/office/drawing/2014/main" id="{3B75F243-01E2-22F2-6329-FD4EB5BC5C87}"/>
               </a:ext>
             </a:extLst>
           </p:cNvPr>
@@ -885,7 +877,7 @@
           <p:cNvPr id="4" name="日期版面配置區 3">
             <a:extLst>
               <a:ext uri="{FF2B5EF4-FFF2-40B4-BE49-F238E27FC236}">
-                <a16:creationId xmlns:a16="http://schemas.microsoft.com/office/drawing/2014/main" id="{2F74F571-7327-2DBF-E8E5-4A060FF2C2FF}"/>
+                <a16:creationId xmlns:a16="http://schemas.microsoft.com/office/drawing/2014/main" id="{F6DFD0B8-CE41-3077-AF9B-3EE1A6B0EAAF}"/>
               </a:ext>
             </a:extLst>
           </p:cNvPr>
@@ -901,7 +893,7 @@
           <a:bodyPr/>
           <a:lstStyle/>
           <a:p>
-            <a:fld id="{B9B9B7C4-E053-44E1-8797-1B116B698902}" type="datetimeFigureOut">
+            <a:fld id="{5919C030-F111-4C87-9715-EFB5D859331C}" type="datetimeFigureOut">
               <a:rPr lang="zh-HK" altLang="en-US" smtClean="0"/>
               <a:t>29/9/2025</a:t>
             </a:fld>
@@ -914,7 +906,7 @@
           <p:cNvPr id="5" name="頁尾版面配置區 4">
             <a:extLst>
               <a:ext uri="{FF2B5EF4-FFF2-40B4-BE49-F238E27FC236}">
-                <a16:creationId xmlns:a16="http://schemas.microsoft.com/office/drawing/2014/main" id="{6EFD03D2-F161-C2FC-482F-2B1EB0B18339}"/>
+                <a16:creationId xmlns:a16="http://schemas.microsoft.com/office/drawing/2014/main" id="{C81D1030-EC4A-77AF-6F05-480B68D6E081}"/>
               </a:ext>
             </a:extLst>
           </p:cNvPr>
@@ -939,7 +931,7 @@
           <p:cNvPr id="6" name="投影片編號版面配置區 5">
             <a:extLst>
               <a:ext uri="{FF2B5EF4-FFF2-40B4-BE49-F238E27FC236}">
-                <a16:creationId xmlns:a16="http://schemas.microsoft.com/office/drawing/2014/main" id="{6A86EBEF-DB59-0627-8443-C8348317AE3C}"/>
+                <a16:creationId xmlns:a16="http://schemas.microsoft.com/office/drawing/2014/main" id="{5FC6762F-6258-682A-8178-7306425DE945}"/>
               </a:ext>
             </a:extLst>
           </p:cNvPr>
@@ -955,7 +947,7 @@
           <a:bodyPr/>
           <a:lstStyle/>
           <a:p>
-            <a:fld id="{CB9FCF64-14CD-4C83-AC58-26C0E775F477}" type="slidenum">
+            <a:fld id="{A23C8CA2-805B-421B-B9B3-9F64CBAAE103}" type="slidenum">
               <a:rPr lang="zh-HK" altLang="en-US" smtClean="0"/>
               <a:t>‹#›</a:t>
             </a:fld>
@@ -966,7 +958,7 @@
     </p:spTree>
     <p:extLst>
       <p:ext uri="{BB962C8B-B14F-4D97-AF65-F5344CB8AC3E}">
-        <p14:creationId xmlns:p14="http://schemas.microsoft.com/office/powerpoint/2010/main" val="2466817570"/>
+        <p14:creationId xmlns:p14="http://schemas.microsoft.com/office/powerpoint/2010/main" val="1988632006"/>
       </p:ext>
     </p:extLst>
   </p:cSld>
@@ -998,7 +990,7 @@
           <p:cNvPr id="2" name="標題 1">
             <a:extLst>
               <a:ext uri="{FF2B5EF4-FFF2-40B4-BE49-F238E27FC236}">
-                <a16:creationId xmlns:a16="http://schemas.microsoft.com/office/drawing/2014/main" id="{07048B7D-0AFE-4298-DD31-7FB282828FC1}"/>
+                <a16:creationId xmlns:a16="http://schemas.microsoft.com/office/drawing/2014/main" id="{BF94F9B8-9ACB-F303-5BEE-C324C2DCAE1E}"/>
               </a:ext>
             </a:extLst>
           </p:cNvPr>
@@ -1036,7 +1028,7 @@
           <p:cNvPr id="3" name="文字版面配置區 2">
             <a:extLst>
               <a:ext uri="{FF2B5EF4-FFF2-40B4-BE49-F238E27FC236}">
-                <a16:creationId xmlns:a16="http://schemas.microsoft.com/office/drawing/2014/main" id="{D6558C75-7C86-3285-038A-AFF0F4315092}"/>
+                <a16:creationId xmlns:a16="http://schemas.microsoft.com/office/drawing/2014/main" id="{A1EE0E4B-68AD-ADD0-FE87-590527AB57BA}"/>
               </a:ext>
             </a:extLst>
           </p:cNvPr>
@@ -1161,7 +1153,7 @@
           <p:cNvPr id="4" name="日期版面配置區 3">
             <a:extLst>
               <a:ext uri="{FF2B5EF4-FFF2-40B4-BE49-F238E27FC236}">
-                <a16:creationId xmlns:a16="http://schemas.microsoft.com/office/drawing/2014/main" id="{C526390F-CAA9-9DBA-076E-26D134DE7815}"/>
+                <a16:creationId xmlns:a16="http://schemas.microsoft.com/office/drawing/2014/main" id="{1333F5AE-CEC5-D377-4C41-558C6BA98969}"/>
               </a:ext>
             </a:extLst>
           </p:cNvPr>
@@ -1177,7 +1169,7 @@
           <a:bodyPr/>
           <a:lstStyle/>
           <a:p>
-            <a:fld id="{B9B9B7C4-E053-44E1-8797-1B116B698902}" type="datetimeFigureOut">
+            <a:fld id="{5919C030-F111-4C87-9715-EFB5D859331C}" type="datetimeFigureOut">
               <a:rPr lang="zh-HK" altLang="en-US" smtClean="0"/>
               <a:t>29/9/2025</a:t>
             </a:fld>
@@ -1190,7 +1182,7 @@
           <p:cNvPr id="5" name="頁尾版面配置區 4">
             <a:extLst>
               <a:ext uri="{FF2B5EF4-FFF2-40B4-BE49-F238E27FC236}">
-                <a16:creationId xmlns:a16="http://schemas.microsoft.com/office/drawing/2014/main" id="{D7819775-3B7C-3A7D-825D-54E9A9A7ED95}"/>
+                <a16:creationId xmlns:a16="http://schemas.microsoft.com/office/drawing/2014/main" id="{7A00D944-E61A-0577-5F79-12A2CBB48084}"/>
               </a:ext>
             </a:extLst>
           </p:cNvPr>
@@ -1215,7 +1207,7 @@
           <p:cNvPr id="6" name="投影片編號版面配置區 5">
             <a:extLst>
               <a:ext uri="{FF2B5EF4-FFF2-40B4-BE49-F238E27FC236}">
-                <a16:creationId xmlns:a16="http://schemas.microsoft.com/office/drawing/2014/main" id="{43FA5214-3C6E-6D16-6C3F-36B7A5938EA2}"/>
+                <a16:creationId xmlns:a16="http://schemas.microsoft.com/office/drawing/2014/main" id="{82E0322F-3588-9950-9329-AFF1BADC2B8D}"/>
               </a:ext>
             </a:extLst>
           </p:cNvPr>
@@ -1231,7 +1223,7 @@
           <a:bodyPr/>
           <a:lstStyle/>
           <a:p>
-            <a:fld id="{CB9FCF64-14CD-4C83-AC58-26C0E775F477}" type="slidenum">
+            <a:fld id="{A23C8CA2-805B-421B-B9B3-9F64CBAAE103}" type="slidenum">
               <a:rPr lang="zh-HK" altLang="en-US" smtClean="0"/>
               <a:t>‹#›</a:t>
             </a:fld>
@@ -1242,7 +1234,7 @@
     </p:spTree>
     <p:extLst>
       <p:ext uri="{BB962C8B-B14F-4D97-AF65-F5344CB8AC3E}">
-        <p14:creationId xmlns:p14="http://schemas.microsoft.com/office/powerpoint/2010/main" val="321465435"/>
+        <p14:creationId xmlns:p14="http://schemas.microsoft.com/office/powerpoint/2010/main" val="4019182911"/>
       </p:ext>
     </p:extLst>
   </p:cSld>
@@ -1274,7 +1266,7 @@
           <p:cNvPr id="2" name="標題 1">
             <a:extLst>
               <a:ext uri="{FF2B5EF4-FFF2-40B4-BE49-F238E27FC236}">
-                <a16:creationId xmlns:a16="http://schemas.microsoft.com/office/drawing/2014/main" id="{2DD0631E-E9B5-34E2-06B2-679BCC7BE647}"/>
+                <a16:creationId xmlns:a16="http://schemas.microsoft.com/office/drawing/2014/main" id="{6C65E2BB-82D7-CCC7-0FA6-649FCD245327}"/>
               </a:ext>
             </a:extLst>
           </p:cNvPr>
@@ -1303,7 +1295,7 @@
           <p:cNvPr id="3" name="內容版面配置區 2">
             <a:extLst>
               <a:ext uri="{FF2B5EF4-FFF2-40B4-BE49-F238E27FC236}">
-                <a16:creationId xmlns:a16="http://schemas.microsoft.com/office/drawing/2014/main" id="{5F3FA17D-936C-480F-CE5C-90A0CB467DC0}"/>
+                <a16:creationId xmlns:a16="http://schemas.microsoft.com/office/drawing/2014/main" id="{F20FCA80-A14F-8A4E-0038-98EC2DAA0DAD}"/>
               </a:ext>
             </a:extLst>
           </p:cNvPr>
@@ -1366,7 +1358,7 @@
           <p:cNvPr id="4" name="內容版面配置區 3">
             <a:extLst>
               <a:ext uri="{FF2B5EF4-FFF2-40B4-BE49-F238E27FC236}">
-                <a16:creationId xmlns:a16="http://schemas.microsoft.com/office/drawing/2014/main" id="{D3300DB8-3B93-87AD-EFE0-D4A65D0559BA}"/>
+                <a16:creationId xmlns:a16="http://schemas.microsoft.com/office/drawing/2014/main" id="{E7123793-D47A-9192-75D8-C4B851F3DA73}"/>
               </a:ext>
             </a:extLst>
           </p:cNvPr>
@@ -1429,7 +1421,7 @@
           <p:cNvPr id="5" name="日期版面配置區 4">
             <a:extLst>
               <a:ext uri="{FF2B5EF4-FFF2-40B4-BE49-F238E27FC236}">
-                <a16:creationId xmlns:a16="http://schemas.microsoft.com/office/drawing/2014/main" id="{D9C6D286-F522-5430-C189-CA4A33FB14C9}"/>
+                <a16:creationId xmlns:a16="http://schemas.microsoft.com/office/drawing/2014/main" id="{06B8EEA7-1BC5-7DFB-1110-2C5F21E3574C}"/>
               </a:ext>
             </a:extLst>
           </p:cNvPr>
@@ -1445,7 +1437,7 @@
           <a:bodyPr/>
           <a:lstStyle/>
           <a:p>
-            <a:fld id="{B9B9B7C4-E053-44E1-8797-1B116B698902}" type="datetimeFigureOut">
+            <a:fld id="{5919C030-F111-4C87-9715-EFB5D859331C}" type="datetimeFigureOut">
               <a:rPr lang="zh-HK" altLang="en-US" smtClean="0"/>
               <a:t>29/9/2025</a:t>
             </a:fld>
@@ -1458,7 +1450,7 @@
           <p:cNvPr id="6" name="頁尾版面配置區 5">
             <a:extLst>
               <a:ext uri="{FF2B5EF4-FFF2-40B4-BE49-F238E27FC236}">
-                <a16:creationId xmlns:a16="http://schemas.microsoft.com/office/drawing/2014/main" id="{E180EAF8-0AE3-1CCF-DD61-033BE28D1AA2}"/>
+                <a16:creationId xmlns:a16="http://schemas.microsoft.com/office/drawing/2014/main" id="{6608B365-DD41-3C53-FF31-88AE93975186}"/>
               </a:ext>
             </a:extLst>
           </p:cNvPr>
@@ -1483,7 +1475,7 @@
           <p:cNvPr id="7" name="投影片編號版面配置區 6">
             <a:extLst>
               <a:ext uri="{FF2B5EF4-FFF2-40B4-BE49-F238E27FC236}">
-                <a16:creationId xmlns:a16="http://schemas.microsoft.com/office/drawing/2014/main" id="{75866C9E-6193-16ED-251E-9850C25644D6}"/>
+                <a16:creationId xmlns:a16="http://schemas.microsoft.com/office/drawing/2014/main" id="{6AE2BCA1-90B6-5AD8-B16E-522635D3B6F0}"/>
               </a:ext>
             </a:extLst>
           </p:cNvPr>
@@ -1499,7 +1491,7 @@
           <a:bodyPr/>
           <a:lstStyle/>
           <a:p>
-            <a:fld id="{CB9FCF64-14CD-4C83-AC58-26C0E775F477}" type="slidenum">
+            <a:fld id="{A23C8CA2-805B-421B-B9B3-9F64CBAAE103}" type="slidenum">
               <a:rPr lang="zh-HK" altLang="en-US" smtClean="0"/>
               <a:t>‹#›</a:t>
             </a:fld>
@@ -1510,7 +1502,7 @@
     </p:spTree>
     <p:extLst>
       <p:ext uri="{BB962C8B-B14F-4D97-AF65-F5344CB8AC3E}">
-        <p14:creationId xmlns:p14="http://schemas.microsoft.com/office/powerpoint/2010/main" val="3016066089"/>
+        <p14:creationId xmlns:p14="http://schemas.microsoft.com/office/powerpoint/2010/main" val="1310728596"/>
       </p:ext>
     </p:extLst>
   </p:cSld>
@@ -1542,7 +1534,7 @@
           <p:cNvPr id="2" name="標題 1">
             <a:extLst>
               <a:ext uri="{FF2B5EF4-FFF2-40B4-BE49-F238E27FC236}">
-                <a16:creationId xmlns:a16="http://schemas.microsoft.com/office/drawing/2014/main" id="{5E9127BD-B8D7-CD26-4B50-0803DE8B40DF}"/>
+                <a16:creationId xmlns:a16="http://schemas.microsoft.com/office/drawing/2014/main" id="{979732A2-DC4C-98FC-9672-E9B1B4A6E83C}"/>
               </a:ext>
             </a:extLst>
           </p:cNvPr>
@@ -1576,7 +1568,7 @@
           <p:cNvPr id="3" name="文字版面配置區 2">
             <a:extLst>
               <a:ext uri="{FF2B5EF4-FFF2-40B4-BE49-F238E27FC236}">
-                <a16:creationId xmlns:a16="http://schemas.microsoft.com/office/drawing/2014/main" id="{C29C4B1A-AA48-C705-207F-1CD932677C4A}"/>
+                <a16:creationId xmlns:a16="http://schemas.microsoft.com/office/drawing/2014/main" id="{B5D86898-01AA-06BE-A311-27FB2EED5AE3}"/>
               </a:ext>
             </a:extLst>
           </p:cNvPr>
@@ -1647,7 +1639,7 @@
           <p:cNvPr id="4" name="內容版面配置區 3">
             <a:extLst>
               <a:ext uri="{FF2B5EF4-FFF2-40B4-BE49-F238E27FC236}">
-                <a16:creationId xmlns:a16="http://schemas.microsoft.com/office/drawing/2014/main" id="{10DB28B6-A4C5-1729-9908-4B3429A93460}"/>
+                <a16:creationId xmlns:a16="http://schemas.microsoft.com/office/drawing/2014/main" id="{20EFCA79-9BFD-E5B4-2535-9DF6483EA61F}"/>
               </a:ext>
             </a:extLst>
           </p:cNvPr>
@@ -1710,7 +1702,7 @@
           <p:cNvPr id="5" name="文字版面配置區 4">
             <a:extLst>
               <a:ext uri="{FF2B5EF4-FFF2-40B4-BE49-F238E27FC236}">
-                <a16:creationId xmlns:a16="http://schemas.microsoft.com/office/drawing/2014/main" id="{9ECA9519-69BE-0740-039D-F06144298549}"/>
+                <a16:creationId xmlns:a16="http://schemas.microsoft.com/office/drawing/2014/main" id="{3ABC1BFB-2A19-6079-D8CE-D76F2B793377}"/>
               </a:ext>
             </a:extLst>
           </p:cNvPr>
@@ -1781,7 +1773,7 @@
           <p:cNvPr id="6" name="內容版面配置區 5">
             <a:extLst>
               <a:ext uri="{FF2B5EF4-FFF2-40B4-BE49-F238E27FC236}">
-                <a16:creationId xmlns:a16="http://schemas.microsoft.com/office/drawing/2014/main" id="{445D6BFC-B24E-5224-7A8C-7742237B32EE}"/>
+                <a16:creationId xmlns:a16="http://schemas.microsoft.com/office/drawing/2014/main" id="{DF5986D4-F82E-97B7-92E4-270FAF273803}"/>
               </a:ext>
             </a:extLst>
           </p:cNvPr>
@@ -1844,7 +1836,7 @@
           <p:cNvPr id="7" name="日期版面配置區 6">
             <a:extLst>
               <a:ext uri="{FF2B5EF4-FFF2-40B4-BE49-F238E27FC236}">
-                <a16:creationId xmlns:a16="http://schemas.microsoft.com/office/drawing/2014/main" id="{16D03110-D88A-B3DB-A64D-631983DB5BF2}"/>
+                <a16:creationId xmlns:a16="http://schemas.microsoft.com/office/drawing/2014/main" id="{1950A970-2EB1-195F-ED3F-1432F96A63EE}"/>
               </a:ext>
             </a:extLst>
           </p:cNvPr>
@@ -1860,7 +1852,7 @@
           <a:bodyPr/>
           <a:lstStyle/>
           <a:p>
-            <a:fld id="{B9B9B7C4-E053-44E1-8797-1B116B698902}" type="datetimeFigureOut">
+            <a:fld id="{5919C030-F111-4C87-9715-EFB5D859331C}" type="datetimeFigureOut">
               <a:rPr lang="zh-HK" altLang="en-US" smtClean="0"/>
               <a:t>29/9/2025</a:t>
             </a:fld>
@@ -1873,7 +1865,7 @@
           <p:cNvPr id="8" name="頁尾版面配置區 7">
             <a:extLst>
               <a:ext uri="{FF2B5EF4-FFF2-40B4-BE49-F238E27FC236}">
-                <a16:creationId xmlns:a16="http://schemas.microsoft.com/office/drawing/2014/main" id="{4ECCEB04-4589-D401-BE64-3224AC1AAB54}"/>
+                <a16:creationId xmlns:a16="http://schemas.microsoft.com/office/drawing/2014/main" id="{437C3FD4-CA85-299E-9418-900798AFCC38}"/>
               </a:ext>
             </a:extLst>
           </p:cNvPr>
@@ -1898,7 +1890,7 @@
           <p:cNvPr id="9" name="投影片編號版面配置區 8">
             <a:extLst>
               <a:ext uri="{FF2B5EF4-FFF2-40B4-BE49-F238E27FC236}">
-                <a16:creationId xmlns:a16="http://schemas.microsoft.com/office/drawing/2014/main" id="{723FFB8A-292B-290E-9A78-1445218A92DA}"/>
+                <a16:creationId xmlns:a16="http://schemas.microsoft.com/office/drawing/2014/main" id="{2F3F5ED1-090F-5E1E-CFC6-8A69FB1C8F11}"/>
               </a:ext>
             </a:extLst>
           </p:cNvPr>
@@ -1914,7 +1906,7 @@
           <a:bodyPr/>
           <a:lstStyle/>
           <a:p>
-            <a:fld id="{CB9FCF64-14CD-4C83-AC58-26C0E775F477}" type="slidenum">
+            <a:fld id="{A23C8CA2-805B-421B-B9B3-9F64CBAAE103}" type="slidenum">
               <a:rPr lang="zh-HK" altLang="en-US" smtClean="0"/>
               <a:t>‹#›</a:t>
             </a:fld>
@@ -1925,7 +1917,7 @@
     </p:spTree>
     <p:extLst>
       <p:ext uri="{BB962C8B-B14F-4D97-AF65-F5344CB8AC3E}">
-        <p14:creationId xmlns:p14="http://schemas.microsoft.com/office/powerpoint/2010/main" val="1515261062"/>
+        <p14:creationId xmlns:p14="http://schemas.microsoft.com/office/powerpoint/2010/main" val="1514426093"/>
       </p:ext>
     </p:extLst>
   </p:cSld>
@@ -1957,7 +1949,7 @@
           <p:cNvPr id="2" name="標題 1">
             <a:extLst>
               <a:ext uri="{FF2B5EF4-FFF2-40B4-BE49-F238E27FC236}">
-                <a16:creationId xmlns:a16="http://schemas.microsoft.com/office/drawing/2014/main" id="{90C6FA5E-6037-E999-7304-79332C7D92EF}"/>
+                <a16:creationId xmlns:a16="http://schemas.microsoft.com/office/drawing/2014/main" id="{8DABDE06-2775-CBAC-67D0-B13F57210FF3}"/>
               </a:ext>
             </a:extLst>
           </p:cNvPr>
@@ -1986,7 +1978,7 @@
           <p:cNvPr id="3" name="日期版面配置區 2">
             <a:extLst>
               <a:ext uri="{FF2B5EF4-FFF2-40B4-BE49-F238E27FC236}">
-                <a16:creationId xmlns:a16="http://schemas.microsoft.com/office/drawing/2014/main" id="{F0C95A00-9E96-8981-9774-9A766250EF39}"/>
+                <a16:creationId xmlns:a16="http://schemas.microsoft.com/office/drawing/2014/main" id="{45C4216B-48F8-33B6-FBF2-31CB42829C7D}"/>
               </a:ext>
             </a:extLst>
           </p:cNvPr>
@@ -2002,7 +1994,7 @@
           <a:bodyPr/>
           <a:lstStyle/>
           <a:p>
-            <a:fld id="{B9B9B7C4-E053-44E1-8797-1B116B698902}" type="datetimeFigureOut">
+            <a:fld id="{5919C030-F111-4C87-9715-EFB5D859331C}" type="datetimeFigureOut">
               <a:rPr lang="zh-HK" altLang="en-US" smtClean="0"/>
               <a:t>29/9/2025</a:t>
             </a:fld>
@@ -2015,7 +2007,7 @@
           <p:cNvPr id="4" name="頁尾版面配置區 3">
             <a:extLst>
               <a:ext uri="{FF2B5EF4-FFF2-40B4-BE49-F238E27FC236}">
-                <a16:creationId xmlns:a16="http://schemas.microsoft.com/office/drawing/2014/main" id="{7D20C656-E0EE-2167-D970-4A460789FBAA}"/>
+                <a16:creationId xmlns:a16="http://schemas.microsoft.com/office/drawing/2014/main" id="{2A448850-A159-4BC4-9500-FB22F36D376A}"/>
               </a:ext>
             </a:extLst>
           </p:cNvPr>
@@ -2040,7 +2032,7 @@
           <p:cNvPr id="5" name="投影片編號版面配置區 4">
             <a:extLst>
               <a:ext uri="{FF2B5EF4-FFF2-40B4-BE49-F238E27FC236}">
-                <a16:creationId xmlns:a16="http://schemas.microsoft.com/office/drawing/2014/main" id="{0D3B32F6-4E21-6AAC-3185-721AC29CB546}"/>
+                <a16:creationId xmlns:a16="http://schemas.microsoft.com/office/drawing/2014/main" id="{F33D5461-50F4-F6BF-7857-099A43678484}"/>
               </a:ext>
             </a:extLst>
           </p:cNvPr>
@@ -2056,7 +2048,7 @@
           <a:bodyPr/>
           <a:lstStyle/>
           <a:p>
-            <a:fld id="{CB9FCF64-14CD-4C83-AC58-26C0E775F477}" type="slidenum">
+            <a:fld id="{A23C8CA2-805B-421B-B9B3-9F64CBAAE103}" type="slidenum">
               <a:rPr lang="zh-HK" altLang="en-US" smtClean="0"/>
               <a:t>‹#›</a:t>
             </a:fld>
@@ -2067,7 +2059,7 @@
     </p:spTree>
     <p:extLst>
       <p:ext uri="{BB962C8B-B14F-4D97-AF65-F5344CB8AC3E}">
-        <p14:creationId xmlns:p14="http://schemas.microsoft.com/office/powerpoint/2010/main" val="2927191588"/>
+        <p14:creationId xmlns:p14="http://schemas.microsoft.com/office/powerpoint/2010/main" val="808708185"/>
       </p:ext>
     </p:extLst>
   </p:cSld>
@@ -2099,7 +2091,7 @@
           <p:cNvPr id="2" name="日期版面配置區 1">
             <a:extLst>
               <a:ext uri="{FF2B5EF4-FFF2-40B4-BE49-F238E27FC236}">
-                <a16:creationId xmlns:a16="http://schemas.microsoft.com/office/drawing/2014/main" id="{8FEF0D00-7F21-321A-F339-4A3C2B323832}"/>
+                <a16:creationId xmlns:a16="http://schemas.microsoft.com/office/drawing/2014/main" id="{BAA83AC7-C973-8162-7A81-33D2BB7E1985}"/>
               </a:ext>
             </a:extLst>
           </p:cNvPr>
@@ -2115,7 +2107,7 @@
           <a:bodyPr/>
           <a:lstStyle/>
           <a:p>
-            <a:fld id="{B9B9B7C4-E053-44E1-8797-1B116B698902}" type="datetimeFigureOut">
+            <a:fld id="{5919C030-F111-4C87-9715-EFB5D859331C}" type="datetimeFigureOut">
               <a:rPr lang="zh-HK" altLang="en-US" smtClean="0"/>
               <a:t>29/9/2025</a:t>
             </a:fld>
@@ -2128,7 +2120,7 @@
           <p:cNvPr id="3" name="頁尾版面配置區 2">
             <a:extLst>
               <a:ext uri="{FF2B5EF4-FFF2-40B4-BE49-F238E27FC236}">
-                <a16:creationId xmlns:a16="http://schemas.microsoft.com/office/drawing/2014/main" id="{FCFCFE2B-72D2-035A-F3E4-06AB806891BA}"/>
+                <a16:creationId xmlns:a16="http://schemas.microsoft.com/office/drawing/2014/main" id="{A1318106-2FED-9C91-F154-D86543C40CA7}"/>
               </a:ext>
             </a:extLst>
           </p:cNvPr>
@@ -2153,7 +2145,7 @@
           <p:cNvPr id="4" name="投影片編號版面配置區 3">
             <a:extLst>
               <a:ext uri="{FF2B5EF4-FFF2-40B4-BE49-F238E27FC236}">
-                <a16:creationId xmlns:a16="http://schemas.microsoft.com/office/drawing/2014/main" id="{5D4F7CDF-B755-C40C-62D6-553F62C8FE4D}"/>
+                <a16:creationId xmlns:a16="http://schemas.microsoft.com/office/drawing/2014/main" id="{0580BB14-D4B9-7BF0-23FB-F1F2D005E510}"/>
               </a:ext>
             </a:extLst>
           </p:cNvPr>
@@ -2169,7 +2161,7 @@
           <a:bodyPr/>
           <a:lstStyle/>
           <a:p>
-            <a:fld id="{CB9FCF64-14CD-4C83-AC58-26C0E775F477}" type="slidenum">
+            <a:fld id="{A23C8CA2-805B-421B-B9B3-9F64CBAAE103}" type="slidenum">
               <a:rPr lang="zh-HK" altLang="en-US" smtClean="0"/>
               <a:t>‹#›</a:t>
             </a:fld>
@@ -2180,7 +2172,7 @@
     </p:spTree>
     <p:extLst>
       <p:ext uri="{BB962C8B-B14F-4D97-AF65-F5344CB8AC3E}">
-        <p14:creationId xmlns:p14="http://schemas.microsoft.com/office/powerpoint/2010/main" val="152107104"/>
+        <p14:creationId xmlns:p14="http://schemas.microsoft.com/office/powerpoint/2010/main" val="3850692769"/>
       </p:ext>
     </p:extLst>
   </p:cSld>
@@ -2212,7 +2204,7 @@
           <p:cNvPr id="2" name="標題 1">
             <a:extLst>
               <a:ext uri="{FF2B5EF4-FFF2-40B4-BE49-F238E27FC236}">
-                <a16:creationId xmlns:a16="http://schemas.microsoft.com/office/drawing/2014/main" id="{E6FEAC51-7BC7-1717-AB47-1EA0DD248673}"/>
+                <a16:creationId xmlns:a16="http://schemas.microsoft.com/office/drawing/2014/main" id="{293B4A10-8D0D-E1A1-42ED-CF33D9314BA3}"/>
               </a:ext>
             </a:extLst>
           </p:cNvPr>
@@ -2250,7 +2242,7 @@
           <p:cNvPr id="3" name="內容版面配置區 2">
             <a:extLst>
               <a:ext uri="{FF2B5EF4-FFF2-40B4-BE49-F238E27FC236}">
-                <a16:creationId xmlns:a16="http://schemas.microsoft.com/office/drawing/2014/main" id="{80FDF032-EE42-9E67-241D-6B26A6A6581B}"/>
+                <a16:creationId xmlns:a16="http://schemas.microsoft.com/office/drawing/2014/main" id="{6A4509E1-0F9F-C225-DABD-6DBD8B84979C}"/>
               </a:ext>
             </a:extLst>
           </p:cNvPr>
@@ -2341,7 +2333,7 @@
           <p:cNvPr id="4" name="文字版面配置區 3">
             <a:extLst>
               <a:ext uri="{FF2B5EF4-FFF2-40B4-BE49-F238E27FC236}">
-                <a16:creationId xmlns:a16="http://schemas.microsoft.com/office/drawing/2014/main" id="{8FBC09A0-5CCE-A5D0-093B-39E23C291197}"/>
+                <a16:creationId xmlns:a16="http://schemas.microsoft.com/office/drawing/2014/main" id="{DCCA46E2-2E12-3E94-D00C-6CDAE260349E}"/>
               </a:ext>
             </a:extLst>
           </p:cNvPr>
@@ -2412,7 +2404,7 @@
           <p:cNvPr id="5" name="日期版面配置區 4">
             <a:extLst>
               <a:ext uri="{FF2B5EF4-FFF2-40B4-BE49-F238E27FC236}">
-                <a16:creationId xmlns:a16="http://schemas.microsoft.com/office/drawing/2014/main" id="{919FDFA3-99FC-A2DA-5EEF-143D8F06A12F}"/>
+                <a16:creationId xmlns:a16="http://schemas.microsoft.com/office/drawing/2014/main" id="{2AF42024-B224-8C35-F474-4FD26A65025D}"/>
               </a:ext>
             </a:extLst>
           </p:cNvPr>
@@ -2428,7 +2420,7 @@
           <a:bodyPr/>
           <a:lstStyle/>
           <a:p>
-            <a:fld id="{B9B9B7C4-E053-44E1-8797-1B116B698902}" type="datetimeFigureOut">
+            <a:fld id="{5919C030-F111-4C87-9715-EFB5D859331C}" type="datetimeFigureOut">
               <a:rPr lang="zh-HK" altLang="en-US" smtClean="0"/>
               <a:t>29/9/2025</a:t>
             </a:fld>
@@ -2441,7 +2433,7 @@
           <p:cNvPr id="6" name="頁尾版面配置區 5">
             <a:extLst>
               <a:ext uri="{FF2B5EF4-FFF2-40B4-BE49-F238E27FC236}">
-                <a16:creationId xmlns:a16="http://schemas.microsoft.com/office/drawing/2014/main" id="{724DADFB-A2DC-E0E2-11F3-B33726A96654}"/>
+                <a16:creationId xmlns:a16="http://schemas.microsoft.com/office/drawing/2014/main" id="{88917A82-49C7-F47B-425E-16727A184625}"/>
               </a:ext>
             </a:extLst>
           </p:cNvPr>
@@ -2466,7 +2458,7 @@
           <p:cNvPr id="7" name="投影片編號版面配置區 6">
             <a:extLst>
               <a:ext uri="{FF2B5EF4-FFF2-40B4-BE49-F238E27FC236}">
-                <a16:creationId xmlns:a16="http://schemas.microsoft.com/office/drawing/2014/main" id="{38A84509-A23F-F230-EE9C-196BB5A395A4}"/>
+                <a16:creationId xmlns:a16="http://schemas.microsoft.com/office/drawing/2014/main" id="{931172E2-3DAD-EA75-FFD8-96DC9C13B5AE}"/>
               </a:ext>
             </a:extLst>
           </p:cNvPr>
@@ -2482,7 +2474,7 @@
           <a:bodyPr/>
           <a:lstStyle/>
           <a:p>
-            <a:fld id="{CB9FCF64-14CD-4C83-AC58-26C0E775F477}" type="slidenum">
+            <a:fld id="{A23C8CA2-805B-421B-B9B3-9F64CBAAE103}" type="slidenum">
               <a:rPr lang="zh-HK" altLang="en-US" smtClean="0"/>
               <a:t>‹#›</a:t>
             </a:fld>
@@ -2493,7 +2485,7 @@
     </p:spTree>
     <p:extLst>
       <p:ext uri="{BB962C8B-B14F-4D97-AF65-F5344CB8AC3E}">
-        <p14:creationId xmlns:p14="http://schemas.microsoft.com/office/powerpoint/2010/main" val="3399462853"/>
+        <p14:creationId xmlns:p14="http://schemas.microsoft.com/office/powerpoint/2010/main" val="629356418"/>
       </p:ext>
     </p:extLst>
   </p:cSld>
@@ -2525,7 +2517,7 @@
           <p:cNvPr id="2" name="標題 1">
             <a:extLst>
               <a:ext uri="{FF2B5EF4-FFF2-40B4-BE49-F238E27FC236}">
-                <a16:creationId xmlns:a16="http://schemas.microsoft.com/office/drawing/2014/main" id="{D15ACDCD-6DD7-EAE1-0896-9D2E763E6966}"/>
+                <a16:creationId xmlns:a16="http://schemas.microsoft.com/office/drawing/2014/main" id="{6F1544F5-F341-02D1-E275-99329598347C}"/>
               </a:ext>
             </a:extLst>
           </p:cNvPr>
@@ -2563,7 +2555,7 @@
           <p:cNvPr id="3" name="圖片版面配置區 2">
             <a:extLst>
               <a:ext uri="{FF2B5EF4-FFF2-40B4-BE49-F238E27FC236}">
-                <a16:creationId xmlns:a16="http://schemas.microsoft.com/office/drawing/2014/main" id="{EF06BF07-6A42-84F9-0333-8F3E05BF4CBD}"/>
+                <a16:creationId xmlns:a16="http://schemas.microsoft.com/office/drawing/2014/main" id="{A9686B13-7E36-5F47-B9D8-C2CC637B96BA}"/>
               </a:ext>
             </a:extLst>
           </p:cNvPr>
@@ -2630,7 +2622,7 @@
           <p:cNvPr id="4" name="文字版面配置區 3">
             <a:extLst>
               <a:ext uri="{FF2B5EF4-FFF2-40B4-BE49-F238E27FC236}">
-                <a16:creationId xmlns:a16="http://schemas.microsoft.com/office/drawing/2014/main" id="{DF8A7E3C-50CA-7EF2-C08E-CAF624C8B55B}"/>
+                <a16:creationId xmlns:a16="http://schemas.microsoft.com/office/drawing/2014/main" id="{30D033F9-3E84-8381-7767-9879ED907899}"/>
               </a:ext>
             </a:extLst>
           </p:cNvPr>
@@ -2701,7 +2693,7 @@
           <p:cNvPr id="5" name="日期版面配置區 4">
             <a:extLst>
               <a:ext uri="{FF2B5EF4-FFF2-40B4-BE49-F238E27FC236}">
-                <a16:creationId xmlns:a16="http://schemas.microsoft.com/office/drawing/2014/main" id="{2E059705-5C83-D919-C984-3382970AA99D}"/>
+                <a16:creationId xmlns:a16="http://schemas.microsoft.com/office/drawing/2014/main" id="{1A1B3CC1-C4D2-B72E-3C1A-AAD6E8FAC240}"/>
               </a:ext>
             </a:extLst>
           </p:cNvPr>
@@ -2717,7 +2709,7 @@
           <a:bodyPr/>
           <a:lstStyle/>
           <a:p>
-            <a:fld id="{B9B9B7C4-E053-44E1-8797-1B116B698902}" type="datetimeFigureOut">
+            <a:fld id="{5919C030-F111-4C87-9715-EFB5D859331C}" type="datetimeFigureOut">
               <a:rPr lang="zh-HK" altLang="en-US" smtClean="0"/>
               <a:t>29/9/2025</a:t>
             </a:fld>
@@ -2730,7 +2722,7 @@
           <p:cNvPr id="6" name="頁尾版面配置區 5">
             <a:extLst>
               <a:ext uri="{FF2B5EF4-FFF2-40B4-BE49-F238E27FC236}">
-                <a16:creationId xmlns:a16="http://schemas.microsoft.com/office/drawing/2014/main" id="{4F96F91B-F493-BED8-6F1B-6C17D54B2757}"/>
+                <a16:creationId xmlns:a16="http://schemas.microsoft.com/office/drawing/2014/main" id="{0029B816-87A2-70A1-77A7-CC3048988884}"/>
               </a:ext>
             </a:extLst>
           </p:cNvPr>
@@ -2755,7 +2747,7 @@
           <p:cNvPr id="7" name="投影片編號版面配置區 6">
             <a:extLst>
               <a:ext uri="{FF2B5EF4-FFF2-40B4-BE49-F238E27FC236}">
-                <a16:creationId xmlns:a16="http://schemas.microsoft.com/office/drawing/2014/main" id="{57F5ECD8-9709-2AD1-9A3B-DE04B48905CE}"/>
+                <a16:creationId xmlns:a16="http://schemas.microsoft.com/office/drawing/2014/main" id="{229F2419-6297-1DCF-FC1A-EEF39F3FDAFD}"/>
               </a:ext>
             </a:extLst>
           </p:cNvPr>
@@ -2771,7 +2763,7 @@
           <a:bodyPr/>
           <a:lstStyle/>
           <a:p>
-            <a:fld id="{CB9FCF64-14CD-4C83-AC58-26C0E775F477}" type="slidenum">
+            <a:fld id="{A23C8CA2-805B-421B-B9B3-9F64CBAAE103}" type="slidenum">
               <a:rPr lang="zh-HK" altLang="en-US" smtClean="0"/>
               <a:t>‹#›</a:t>
             </a:fld>
@@ -2782,7 +2774,7 @@
     </p:spTree>
     <p:extLst>
       <p:ext uri="{BB962C8B-B14F-4D97-AF65-F5344CB8AC3E}">
-        <p14:creationId xmlns:p14="http://schemas.microsoft.com/office/powerpoint/2010/main" val="561835123"/>
+        <p14:creationId xmlns:p14="http://schemas.microsoft.com/office/powerpoint/2010/main" val="1806524084"/>
       </p:ext>
     </p:extLst>
   </p:cSld>
@@ -2819,7 +2811,7 @@
           <p:cNvPr id="2" name="標題版面配置區 1">
             <a:extLst>
               <a:ext uri="{FF2B5EF4-FFF2-40B4-BE49-F238E27FC236}">
-                <a16:creationId xmlns:a16="http://schemas.microsoft.com/office/drawing/2014/main" id="{90332081-7BA2-CC73-5BBD-3C78BE494FF6}"/>
+                <a16:creationId xmlns:a16="http://schemas.microsoft.com/office/drawing/2014/main" id="{403B185A-618E-AE3D-428F-71FA94A22287}"/>
               </a:ext>
             </a:extLst>
           </p:cNvPr>
@@ -2858,7 +2850,7 @@
           <p:cNvPr id="3" name="文字版面配置區 2">
             <a:extLst>
               <a:ext uri="{FF2B5EF4-FFF2-40B4-BE49-F238E27FC236}">
-                <a16:creationId xmlns:a16="http://schemas.microsoft.com/office/drawing/2014/main" id="{60C23327-F89D-307D-EF13-724D057CE66B}"/>
+                <a16:creationId xmlns:a16="http://schemas.microsoft.com/office/drawing/2014/main" id="{C33AD0C1-31C9-E170-7988-E412BC18F88A}"/>
               </a:ext>
             </a:extLst>
           </p:cNvPr>
@@ -2926,7 +2918,7 @@
           <p:cNvPr id="4" name="日期版面配置區 3">
             <a:extLst>
               <a:ext uri="{FF2B5EF4-FFF2-40B4-BE49-F238E27FC236}">
-                <a16:creationId xmlns:a16="http://schemas.microsoft.com/office/drawing/2014/main" id="{30F0BB48-4D15-FA4E-9011-92EBBEA727D9}"/>
+                <a16:creationId xmlns:a16="http://schemas.microsoft.com/office/drawing/2014/main" id="{70814879-4810-2199-4D67-7289517E7C76}"/>
               </a:ext>
             </a:extLst>
           </p:cNvPr>
@@ -2960,7 +2952,7 @@
             </a:lvl1pPr>
           </a:lstStyle>
           <a:p>
-            <a:fld id="{B9B9B7C4-E053-44E1-8797-1B116B698902}" type="datetimeFigureOut">
+            <a:fld id="{5919C030-F111-4C87-9715-EFB5D859331C}" type="datetimeFigureOut">
               <a:rPr lang="zh-HK" altLang="en-US" smtClean="0"/>
               <a:t>29/9/2025</a:t>
             </a:fld>
@@ -2973,7 +2965,7 @@
           <p:cNvPr id="5" name="頁尾版面配置區 4">
             <a:extLst>
               <a:ext uri="{FF2B5EF4-FFF2-40B4-BE49-F238E27FC236}">
-                <a16:creationId xmlns:a16="http://schemas.microsoft.com/office/drawing/2014/main" id="{DD9216BC-BD9D-08BE-1088-CBDDF409ADF1}"/>
+                <a16:creationId xmlns:a16="http://schemas.microsoft.com/office/drawing/2014/main" id="{D3FA721B-27BF-B04A-1519-CC4D58E21335}"/>
               </a:ext>
             </a:extLst>
           </p:cNvPr>
@@ -3016,7 +3008,7 @@
           <p:cNvPr id="6" name="投影片編號版面配置區 5">
             <a:extLst>
               <a:ext uri="{FF2B5EF4-FFF2-40B4-BE49-F238E27FC236}">
-                <a16:creationId xmlns:a16="http://schemas.microsoft.com/office/drawing/2014/main" id="{DB57A800-9D74-3DEF-411A-273C8D101C50}"/>
+                <a16:creationId xmlns:a16="http://schemas.microsoft.com/office/drawing/2014/main" id="{FC177D0E-623D-BCB6-56DA-ABC1F83E620C}"/>
               </a:ext>
             </a:extLst>
           </p:cNvPr>
@@ -3050,7 +3042,7 @@
             </a:lvl1pPr>
           </a:lstStyle>
           <a:p>
-            <a:fld id="{CB9FCF64-14CD-4C83-AC58-26C0E775F477}" type="slidenum">
+            <a:fld id="{A23C8CA2-805B-421B-B9B3-9F64CBAAE103}" type="slidenum">
               <a:rPr lang="zh-HK" altLang="en-US" smtClean="0"/>
               <a:t>‹#›</a:t>
             </a:fld>
@@ -3061,7 +3053,7 @@
     </p:spTree>
     <p:extLst>
       <p:ext uri="{BB962C8B-B14F-4D97-AF65-F5344CB8AC3E}">
-        <p14:creationId xmlns:p14="http://schemas.microsoft.com/office/powerpoint/2010/main" val="4041352800"/>
+        <p14:creationId xmlns:p14="http://schemas.microsoft.com/office/powerpoint/2010/main" val="3588032986"/>
       </p:ext>
     </p:extLst>
   </p:cSld>
@@ -3384,7 +3376,7 @@
           <p:cNvPr id="2" name="標題 1">
             <a:extLst>
               <a:ext uri="{FF2B5EF4-FFF2-40B4-BE49-F238E27FC236}">
-                <a16:creationId xmlns:a16="http://schemas.microsoft.com/office/drawing/2014/main" id="{34BCEC07-6143-AA66-2BE7-32AF5A62ED50}"/>
+                <a16:creationId xmlns:a16="http://schemas.microsoft.com/office/drawing/2014/main" id="{C41661F1-59CF-9BF1-3970-14BA73556849}"/>
               </a:ext>
             </a:extLst>
           </p:cNvPr>
@@ -3401,8 +3393,8 @@
           <a:lstStyle/>
           <a:p>
             <a:r>
-              <a:rPr lang="en-US" altLang="zh-CN"/>
-              <a:t>hello</a:t>
+              <a:rPr lang="en-US" altLang="zh-HK"/>
+              <a:t>Hello world</a:t>
             </a:r>
             <a:endParaRPr lang="zh-HK" altLang="en-US"/>
           </a:p>
@@ -3413,7 +3405,7 @@
           <p:cNvPr id="3" name="副標題 2">
             <a:extLst>
               <a:ext uri="{FF2B5EF4-FFF2-40B4-BE49-F238E27FC236}">
-                <a16:creationId xmlns:a16="http://schemas.microsoft.com/office/drawing/2014/main" id="{03186816-50D8-1E53-6E7E-099964ED4855}"/>
+                <a16:creationId xmlns:a16="http://schemas.microsoft.com/office/drawing/2014/main" id="{FE395A3E-C455-B540-90AA-41A1F2E783CB}"/>
               </a:ext>
             </a:extLst>
           </p:cNvPr>
@@ -3436,7 +3428,7 @@
     </p:spTree>
     <p:extLst>
       <p:ext uri="{BB962C8B-B14F-4D97-AF65-F5344CB8AC3E}">
-        <p14:creationId xmlns:p14="http://schemas.microsoft.com/office/powerpoint/2010/main" val="1151859274"/>
+        <p14:creationId xmlns:p14="http://schemas.microsoft.com/office/powerpoint/2010/main" val="4188321521"/>
       </p:ext>
     </p:extLst>
   </p:cSld>

--- a/test1.pptx
+++ b/test1.pptx
@@ -104,6 +104,11 @@
       </a:defRPr>
     </a:lvl9pPr>
   </p:defaultTextStyle>
+  <p:extLst>
+    <p:ext uri="{EFAFB233-063F-42B5-8137-9DF3F51BA10A}">
+      <p15:sldGuideLst xmlns:p15="http://schemas.microsoft.com/office/powerpoint/2012/main"/>
+    </p:ext>
+  </p:extLst>
 </p:presentation>
 </file>
 
@@ -112,18 +117,18 @@
   <pc:docChgLst>
     <pc:chgData name="Instructor7 Techbob" userId="b1191c1eb880d70a" providerId="LiveId" clId="{565BF661-A203-4370-8332-53C2A56EA27A}"/>
     <pc:docChg chg="custSel addSld modSld">
-      <pc:chgData name="Instructor7 Techbob" userId="b1191c1eb880d70a" providerId="LiveId" clId="{565BF661-A203-4370-8332-53C2A56EA27A}" dt="2025-09-29T07:40:20.290" v="25" actId="20577"/>
+      <pc:chgData name="Instructor7 Techbob" userId="b1191c1eb880d70a" providerId="LiveId" clId="{565BF661-A203-4370-8332-53C2A56EA27A}" dt="2025-09-29T09:17:19.453" v="30" actId="20577"/>
       <pc:docMkLst>
         <pc:docMk/>
       </pc:docMkLst>
       <pc:sldChg chg="modSp new mod">
-        <pc:chgData name="Instructor7 Techbob" userId="b1191c1eb880d70a" providerId="LiveId" clId="{565BF661-A203-4370-8332-53C2A56EA27A}" dt="2025-09-29T07:40:20.290" v="25" actId="20577"/>
+        <pc:chgData name="Instructor7 Techbob" userId="b1191c1eb880d70a" providerId="LiveId" clId="{565BF661-A203-4370-8332-53C2A56EA27A}" dt="2025-09-29T09:17:19.453" v="30" actId="20577"/>
         <pc:sldMkLst>
           <pc:docMk/>
           <pc:sldMk cId="4188321521" sldId="256"/>
         </pc:sldMkLst>
         <pc:spChg chg="mod">
-          <ac:chgData name="Instructor7 Techbob" userId="b1191c1eb880d70a" providerId="LiveId" clId="{565BF661-A203-4370-8332-53C2A56EA27A}" dt="2025-09-29T07:40:20.290" v="25" actId="20577"/>
+          <ac:chgData name="Instructor7 Techbob" userId="b1191c1eb880d70a" providerId="LiveId" clId="{565BF661-A203-4370-8332-53C2A56EA27A}" dt="2025-09-29T09:17:19.453" v="30" actId="20577"/>
           <ac:spMkLst>
             <pc:docMk/>
             <pc:sldMk cId="4188321521" sldId="256"/>
@@ -3394,9 +3399,9 @@
           <a:p>
             <a:r>
               <a:rPr lang="en-US" altLang="zh-HK"/>
-              <a:t>Hello world</a:t>
-            </a:r>
-            <a:endParaRPr lang="zh-HK" altLang="en-US"/>
+              <a:t>Hello 12345</a:t>
+            </a:r>
+            <a:endParaRPr lang="zh-HK" altLang="en-US" dirty="0"/>
           </a:p>
         </p:txBody>
       </p:sp>

--- a/test1.pptx
+++ b/test1.pptx
@@ -117,18 +117,18 @@
   <pc:docChgLst>
     <pc:chgData name="Instructor7 Techbob" userId="b1191c1eb880d70a" providerId="LiveId" clId="{565BF661-A203-4370-8332-53C2A56EA27A}"/>
     <pc:docChg chg="custSel addSld modSld">
-      <pc:chgData name="Instructor7 Techbob" userId="b1191c1eb880d70a" providerId="LiveId" clId="{565BF661-A203-4370-8332-53C2A56EA27A}" dt="2025-09-29T09:17:19.453" v="30" actId="20577"/>
+      <pc:chgData name="Instructor7 Techbob" userId="b1191c1eb880d70a" providerId="LiveId" clId="{565BF661-A203-4370-8332-53C2A56EA27A}" dt="2025-09-29T09:30:00.981" v="38" actId="20577"/>
       <pc:docMkLst>
         <pc:docMk/>
       </pc:docMkLst>
       <pc:sldChg chg="modSp new mod">
-        <pc:chgData name="Instructor7 Techbob" userId="b1191c1eb880d70a" providerId="LiveId" clId="{565BF661-A203-4370-8332-53C2A56EA27A}" dt="2025-09-29T09:17:19.453" v="30" actId="20577"/>
+        <pc:chgData name="Instructor7 Techbob" userId="b1191c1eb880d70a" providerId="LiveId" clId="{565BF661-A203-4370-8332-53C2A56EA27A}" dt="2025-09-29T09:30:00.981" v="38" actId="20577"/>
         <pc:sldMkLst>
           <pc:docMk/>
           <pc:sldMk cId="4188321521" sldId="256"/>
         </pc:sldMkLst>
         <pc:spChg chg="mod">
-          <ac:chgData name="Instructor7 Techbob" userId="b1191c1eb880d70a" providerId="LiveId" clId="{565BF661-A203-4370-8332-53C2A56EA27A}" dt="2025-09-29T09:17:19.453" v="30" actId="20577"/>
+          <ac:chgData name="Instructor7 Techbob" userId="b1191c1eb880d70a" providerId="LiveId" clId="{565BF661-A203-4370-8332-53C2A56EA27A}" dt="2025-09-29T09:30:00.981" v="38" actId="20577"/>
           <ac:spMkLst>
             <pc:docMk/>
             <pc:sldMk cId="4188321521" sldId="256"/>
@@ -3399,7 +3399,7 @@
           <a:p>
             <a:r>
               <a:rPr lang="en-US" altLang="zh-HK"/>
-              <a:t>Hello 12345</a:t>
+              <a:t>Hello 666</a:t>
             </a:r>
             <a:endParaRPr lang="zh-HK" altLang="en-US" dirty="0"/>
           </a:p>

--- a/test1.pptx
+++ b/test1.pptx
@@ -117,18 +117,18 @@
   <pc:docChgLst>
     <pc:chgData name="Instructor7 Techbob" userId="b1191c1eb880d70a" providerId="LiveId" clId="{565BF661-A203-4370-8332-53C2A56EA27A}"/>
     <pc:docChg chg="custSel addSld modSld">
-      <pc:chgData name="Instructor7 Techbob" userId="b1191c1eb880d70a" providerId="LiveId" clId="{565BF661-A203-4370-8332-53C2A56EA27A}" dt="2025-09-29T09:30:00.981" v="38" actId="20577"/>
+      <pc:chgData name="Instructor7 Techbob" userId="b1191c1eb880d70a" providerId="LiveId" clId="{565BF661-A203-4370-8332-53C2A56EA27A}" dt="2025-09-29T09:17:19.453" v="30" actId="20577"/>
       <pc:docMkLst>
         <pc:docMk/>
       </pc:docMkLst>
       <pc:sldChg chg="modSp new mod">
-        <pc:chgData name="Instructor7 Techbob" userId="b1191c1eb880d70a" providerId="LiveId" clId="{565BF661-A203-4370-8332-53C2A56EA27A}" dt="2025-09-29T09:30:00.981" v="38" actId="20577"/>
+        <pc:chgData name="Instructor7 Techbob" userId="b1191c1eb880d70a" providerId="LiveId" clId="{565BF661-A203-4370-8332-53C2A56EA27A}" dt="2025-09-29T09:17:19.453" v="30" actId="20577"/>
         <pc:sldMkLst>
           <pc:docMk/>
           <pc:sldMk cId="4188321521" sldId="256"/>
         </pc:sldMkLst>
         <pc:spChg chg="mod">
-          <ac:chgData name="Instructor7 Techbob" userId="b1191c1eb880d70a" providerId="LiveId" clId="{565BF661-A203-4370-8332-53C2A56EA27A}" dt="2025-09-29T09:30:00.981" v="38" actId="20577"/>
+          <ac:chgData name="Instructor7 Techbob" userId="b1191c1eb880d70a" providerId="LiveId" clId="{565BF661-A203-4370-8332-53C2A56EA27A}" dt="2025-09-29T09:17:19.453" v="30" actId="20577"/>
           <ac:spMkLst>
             <pc:docMk/>
             <pc:sldMk cId="4188321521" sldId="256"/>
@@ -3399,7 +3399,7 @@
           <a:p>
             <a:r>
               <a:rPr lang="en-US" altLang="zh-HK"/>
-              <a:t>Hello 666</a:t>
+              <a:t>Hello 12345</a:t>
             </a:r>
             <a:endParaRPr lang="zh-HK" altLang="en-US" dirty="0"/>
           </a:p>

--- a/test1.pptx
+++ b/test1.pptx
@@ -117,18 +117,18 @@
   <pc:docChgLst>
     <pc:chgData name="Instructor7 Techbob" userId="b1191c1eb880d70a" providerId="LiveId" clId="{565BF661-A203-4370-8332-53C2A56EA27A}"/>
     <pc:docChg chg="custSel addSld modSld">
-      <pc:chgData name="Instructor7 Techbob" userId="b1191c1eb880d70a" providerId="LiveId" clId="{565BF661-A203-4370-8332-53C2A56EA27A}" dt="2025-09-29T09:30:00.981" v="38" actId="20577"/>
+      <pc:chgData name="Instructor7 Techbob" userId="b1191c1eb880d70a" providerId="LiveId" clId="{565BF661-A203-4370-8332-53C2A56EA27A}" dt="2025-09-29T09:34:51.492" v="44" actId="20577"/>
       <pc:docMkLst>
         <pc:docMk/>
       </pc:docMkLst>
       <pc:sldChg chg="modSp new mod">
-        <pc:chgData name="Instructor7 Techbob" userId="b1191c1eb880d70a" providerId="LiveId" clId="{565BF661-A203-4370-8332-53C2A56EA27A}" dt="2025-09-29T09:30:00.981" v="38" actId="20577"/>
+        <pc:chgData name="Instructor7 Techbob" userId="b1191c1eb880d70a" providerId="LiveId" clId="{565BF661-A203-4370-8332-53C2A56EA27A}" dt="2025-09-29T09:34:51.492" v="44" actId="20577"/>
         <pc:sldMkLst>
           <pc:docMk/>
           <pc:sldMk cId="4188321521" sldId="256"/>
         </pc:sldMkLst>
         <pc:spChg chg="mod">
-          <ac:chgData name="Instructor7 Techbob" userId="b1191c1eb880d70a" providerId="LiveId" clId="{565BF661-A203-4370-8332-53C2A56EA27A}" dt="2025-09-29T09:30:00.981" v="38" actId="20577"/>
+          <ac:chgData name="Instructor7 Techbob" userId="b1191c1eb880d70a" providerId="LiveId" clId="{565BF661-A203-4370-8332-53C2A56EA27A}" dt="2025-09-29T09:34:51.492" v="44" actId="20577"/>
           <ac:spMkLst>
             <pc:docMk/>
             <pc:sldMk cId="4188321521" sldId="256"/>
@@ -3399,7 +3399,7 @@
           <a:p>
             <a:r>
               <a:rPr lang="en-US" altLang="zh-HK"/>
-              <a:t>Hello 666</a:t>
+              <a:t>Hello 888</a:t>
             </a:r>
             <a:endParaRPr lang="zh-HK" altLang="en-US" dirty="0"/>
           </a:p>

--- a/test1.pptx
+++ b/test1.pptx
@@ -117,18 +117,18 @@
   <pc:docChgLst>
     <pc:chgData name="Instructor7 Techbob" userId="b1191c1eb880d70a" providerId="LiveId" clId="{565BF661-A203-4370-8332-53C2A56EA27A}"/>
     <pc:docChg chg="custSel addSld modSld">
-      <pc:chgData name="Instructor7 Techbob" userId="b1191c1eb880d70a" providerId="LiveId" clId="{565BF661-A203-4370-8332-53C2A56EA27A}" dt="2025-09-29T09:34:51.492" v="44" actId="20577"/>
+      <pc:chgData name="Instructor7 Techbob" userId="b1191c1eb880d70a" providerId="LiveId" clId="{565BF661-A203-4370-8332-53C2A56EA27A}" dt="2025-09-29T09:40:20.280" v="57" actId="20577"/>
       <pc:docMkLst>
         <pc:docMk/>
       </pc:docMkLst>
       <pc:sldChg chg="modSp new mod">
-        <pc:chgData name="Instructor7 Techbob" userId="b1191c1eb880d70a" providerId="LiveId" clId="{565BF661-A203-4370-8332-53C2A56EA27A}" dt="2025-09-29T09:34:51.492" v="44" actId="20577"/>
+        <pc:chgData name="Instructor7 Techbob" userId="b1191c1eb880d70a" providerId="LiveId" clId="{565BF661-A203-4370-8332-53C2A56EA27A}" dt="2025-09-29T09:40:20.280" v="57" actId="20577"/>
         <pc:sldMkLst>
           <pc:docMk/>
           <pc:sldMk cId="4188321521" sldId="256"/>
         </pc:sldMkLst>
         <pc:spChg chg="mod">
-          <ac:chgData name="Instructor7 Techbob" userId="b1191c1eb880d70a" providerId="LiveId" clId="{565BF661-A203-4370-8332-53C2A56EA27A}" dt="2025-09-29T09:34:51.492" v="44" actId="20577"/>
+          <ac:chgData name="Instructor7 Techbob" userId="b1191c1eb880d70a" providerId="LiveId" clId="{565BF661-A203-4370-8332-53C2A56EA27A}" dt="2025-09-29T09:40:20.280" v="57" actId="20577"/>
           <ac:spMkLst>
             <pc:docMk/>
             <pc:sldMk cId="4188321521" sldId="256"/>
@@ -3400,6 +3400,13 @@
             <a:r>
               <a:rPr lang="en-US" altLang="zh-HK"/>
               <a:t>Hello 888</a:t>
+            </a:r>
+            <a:br>
+              <a:rPr lang="en-US" altLang="zh-HK"/>
+            </a:br>
+            <a:r>
+              <a:rPr lang="en-US" altLang="zh-HK"/>
+              <a:t>1234567890</a:t>
             </a:r>
             <a:endParaRPr lang="zh-HK" altLang="en-US" dirty="0"/>
           </a:p>

--- a/test1.pptx
+++ b/test1.pptx
@@ -117,18 +117,18 @@
   <pc:docChgLst>
     <pc:chgData name="Instructor7 Techbob" userId="b1191c1eb880d70a" providerId="LiveId" clId="{565BF661-A203-4370-8332-53C2A56EA27A}"/>
     <pc:docChg chg="custSel addSld modSld">
-      <pc:chgData name="Instructor7 Techbob" userId="b1191c1eb880d70a" providerId="LiveId" clId="{565BF661-A203-4370-8332-53C2A56EA27A}" dt="2025-09-29T09:40:20.280" v="57" actId="20577"/>
+      <pc:chgData name="Instructor7 Techbob" userId="b1191c1eb880d70a" providerId="LiveId" clId="{565BF661-A203-4370-8332-53C2A56EA27A}" dt="2025-09-29T09:42:28.094" v="80" actId="20577"/>
       <pc:docMkLst>
         <pc:docMk/>
       </pc:docMkLst>
       <pc:sldChg chg="modSp new mod">
-        <pc:chgData name="Instructor7 Techbob" userId="b1191c1eb880d70a" providerId="LiveId" clId="{565BF661-A203-4370-8332-53C2A56EA27A}" dt="2025-09-29T09:40:20.280" v="57" actId="20577"/>
+        <pc:chgData name="Instructor7 Techbob" userId="b1191c1eb880d70a" providerId="LiveId" clId="{565BF661-A203-4370-8332-53C2A56EA27A}" dt="2025-09-29T09:42:28.094" v="80" actId="20577"/>
         <pc:sldMkLst>
           <pc:docMk/>
           <pc:sldMk cId="4188321521" sldId="256"/>
         </pc:sldMkLst>
         <pc:spChg chg="mod">
-          <ac:chgData name="Instructor7 Techbob" userId="b1191c1eb880d70a" providerId="LiveId" clId="{565BF661-A203-4370-8332-53C2A56EA27A}" dt="2025-09-29T09:40:20.280" v="57" actId="20577"/>
+          <ac:chgData name="Instructor7 Techbob" userId="b1191c1eb880d70a" providerId="LiveId" clId="{565BF661-A203-4370-8332-53C2A56EA27A}" dt="2025-09-29T09:42:28.094" v="80" actId="20577"/>
           <ac:spMkLst>
             <pc:docMk/>
             <pc:sldMk cId="4188321521" sldId="256"/>
@@ -3398,7 +3398,7 @@
           <a:lstStyle/>
           <a:p>
             <a:r>
-              <a:rPr lang="en-US" altLang="zh-HK"/>
+              <a:rPr lang="en-US" altLang="zh-HK" dirty="0"/>
               <a:t>Hello 888</a:t>
             </a:r>
             <a:br>
@@ -3406,7 +3406,7 @@
             </a:br>
             <a:r>
               <a:rPr lang="en-US" altLang="zh-HK"/>
-              <a:t>1234567890</a:t>
+              <a:t>99999888888</a:t>
             </a:r>
             <a:endParaRPr lang="zh-HK" altLang="en-US" dirty="0"/>
           </a:p>

--- a/test1.pptx
+++ b/test1.pptx
@@ -112,23 +112,31 @@
 </p:presentation>
 </file>
 
+<file path=ppt/revisionInfo.xml><?xml version="1.0" encoding="utf-8"?>
+<p1510:revInfo xmlns:a="http://schemas.openxmlformats.org/drawingml/2006/main" xmlns:r="http://schemas.openxmlformats.org/officeDocument/2006/relationships" xmlns:p1510="http://schemas.microsoft.com/office/powerpoint/2015/10/main">
+  <p1510:revLst>
+    <p1510:client id="{64562560-4A63-4231-B6D5-4286EEDA2A42}" v="1" dt="2025-09-29T09:47:35.295"/>
+  </p1510:revLst>
+</p1510:revInfo>
+</file>
+
 <file path=ppt/changesInfos/changesInfo1.xml><?xml version="1.0" encoding="utf-8"?>
 <pc:chgInfo xmlns:a="http://schemas.openxmlformats.org/drawingml/2006/main" xmlns:r="http://schemas.openxmlformats.org/officeDocument/2006/relationships" xmlns:ac="http://schemas.microsoft.com/office/drawing/2013/main/command" xmlns:pc="http://schemas.microsoft.com/office/powerpoint/2013/main/command">
   <pc:docChgLst>
     <pc:chgData name="Instructor7 Techbob" userId="b1191c1eb880d70a" providerId="LiveId" clId="{565BF661-A203-4370-8332-53C2A56EA27A}"/>
     <pc:docChg chg="custSel addSld modSld">
-      <pc:chgData name="Instructor7 Techbob" userId="b1191c1eb880d70a" providerId="LiveId" clId="{565BF661-A203-4370-8332-53C2A56EA27A}" dt="2025-09-29T09:42:28.094" v="80" actId="20577"/>
+      <pc:chgData name="Instructor7 Techbob" userId="b1191c1eb880d70a" providerId="LiveId" clId="{565BF661-A203-4370-8332-53C2A56EA27A}" dt="2025-09-29T09:47:35.295" v="84"/>
       <pc:docMkLst>
         <pc:docMk/>
       </pc:docMkLst>
       <pc:sldChg chg="modSp new mod">
-        <pc:chgData name="Instructor7 Techbob" userId="b1191c1eb880d70a" providerId="LiveId" clId="{565BF661-A203-4370-8332-53C2A56EA27A}" dt="2025-09-29T09:42:28.094" v="80" actId="20577"/>
+        <pc:chgData name="Instructor7 Techbob" userId="b1191c1eb880d70a" providerId="LiveId" clId="{565BF661-A203-4370-8332-53C2A56EA27A}" dt="2025-09-29T09:47:35.295" v="84"/>
         <pc:sldMkLst>
           <pc:docMk/>
           <pc:sldMk cId="4188321521" sldId="256"/>
         </pc:sldMkLst>
         <pc:spChg chg="mod">
-          <ac:chgData name="Instructor7 Techbob" userId="b1191c1eb880d70a" providerId="LiveId" clId="{565BF661-A203-4370-8332-53C2A56EA27A}" dt="2025-09-29T09:42:28.094" v="80" actId="20577"/>
+          <ac:chgData name="Instructor7 Techbob" userId="b1191c1eb880d70a" providerId="LiveId" clId="{565BF661-A203-4370-8332-53C2A56EA27A}" dt="2025-09-29T09:47:35.295" v="84"/>
           <ac:spMkLst>
             <pc:docMk/>
             <pc:sldMk cId="4188321521" sldId="256"/>
@@ -3394,7 +3402,9 @@
         </p:nvSpPr>
         <p:spPr/>
         <p:txBody>
-          <a:bodyPr/>
+          <a:bodyPr>
+            <a:normAutofit fontScale="90000"/>
+          </a:bodyPr>
           <a:lstStyle/>
           <a:p>
             <a:r>
@@ -3402,11 +3412,18 @@
               <a:t>Hello 888</a:t>
             </a:r>
             <a:br>
-              <a:rPr lang="en-US" altLang="zh-HK"/>
+              <a:rPr lang="en-US" altLang="zh-HK" dirty="0"/>
             </a:br>
             <a:r>
-              <a:rPr lang="en-US" altLang="zh-HK"/>
+              <a:rPr lang="en-US" altLang="zh-HK" dirty="0"/>
               <a:t>99999888888</a:t>
+            </a:r>
+            <a:br>
+              <a:rPr lang="en-US" altLang="zh-HK" dirty="0"/>
+            </a:br>
+            <a:r>
+              <a:rPr lang="en-US" altLang="zh-CN"/>
+              <a:t>gersherhr</a:t>
             </a:r>
             <a:endParaRPr lang="zh-HK" altLang="en-US" dirty="0"/>
           </a:p>

--- a/test1.pptx
+++ b/test1.pptx
@@ -115,7 +115,7 @@
 <file path=ppt/revisionInfo.xml><?xml version="1.0" encoding="utf-8"?>
 <p1510:revInfo xmlns:a="http://schemas.openxmlformats.org/drawingml/2006/main" xmlns:r="http://schemas.openxmlformats.org/officeDocument/2006/relationships" xmlns:p1510="http://schemas.microsoft.com/office/powerpoint/2015/10/main">
   <p1510:revLst>
-    <p1510:client id="{64562560-4A63-4231-B6D5-4286EEDA2A42}" v="1" dt="2025-09-29T09:47:35.295"/>
+    <p1510:client id="{64562560-4A63-4231-B6D5-4286EEDA2A42}" v="2" dt="2025-09-29T09:49:01.206"/>
   </p1510:revLst>
 </p1510:revInfo>
 </file>
@@ -125,18 +125,18 @@
   <pc:docChgLst>
     <pc:chgData name="Instructor7 Techbob" userId="b1191c1eb880d70a" providerId="LiveId" clId="{565BF661-A203-4370-8332-53C2A56EA27A}"/>
     <pc:docChg chg="custSel addSld modSld">
-      <pc:chgData name="Instructor7 Techbob" userId="b1191c1eb880d70a" providerId="LiveId" clId="{565BF661-A203-4370-8332-53C2A56EA27A}" dt="2025-09-29T09:47:35.295" v="84"/>
+      <pc:chgData name="Instructor7 Techbob" userId="b1191c1eb880d70a" providerId="LiveId" clId="{565BF661-A203-4370-8332-53C2A56EA27A}" dt="2025-09-29T09:49:01.206" v="87"/>
       <pc:docMkLst>
         <pc:docMk/>
       </pc:docMkLst>
       <pc:sldChg chg="modSp new mod">
-        <pc:chgData name="Instructor7 Techbob" userId="b1191c1eb880d70a" providerId="LiveId" clId="{565BF661-A203-4370-8332-53C2A56EA27A}" dt="2025-09-29T09:47:35.295" v="84"/>
+        <pc:chgData name="Instructor7 Techbob" userId="b1191c1eb880d70a" providerId="LiveId" clId="{565BF661-A203-4370-8332-53C2A56EA27A}" dt="2025-09-29T09:49:01.206" v="87"/>
         <pc:sldMkLst>
           <pc:docMk/>
           <pc:sldMk cId="4188321521" sldId="256"/>
         </pc:sldMkLst>
         <pc:spChg chg="mod">
-          <ac:chgData name="Instructor7 Techbob" userId="b1191c1eb880d70a" providerId="LiveId" clId="{565BF661-A203-4370-8332-53C2A56EA27A}" dt="2025-09-29T09:47:35.295" v="84"/>
+          <ac:chgData name="Instructor7 Techbob" userId="b1191c1eb880d70a" providerId="LiveId" clId="{565BF661-A203-4370-8332-53C2A56EA27A}" dt="2025-09-29T09:49:01.206" v="87"/>
           <ac:spMkLst>
             <pc:docMk/>
             <pc:sldMk cId="4188321521" sldId="256"/>
@@ -3423,7 +3423,7 @@
             </a:br>
             <a:r>
               <a:rPr lang="en-US" altLang="zh-CN"/>
-              <a:t>gersherhr</a:t>
+              <a:t>gersherhz</a:t>
             </a:r>
             <a:endParaRPr lang="zh-HK" altLang="en-US" dirty="0"/>
           </a:p>

--- a/test1.pptx
+++ b/test1.pptx
@@ -115,7 +115,7 @@
 <file path=ppt/revisionInfo.xml><?xml version="1.0" encoding="utf-8"?>
 <p1510:revInfo xmlns:a="http://schemas.openxmlformats.org/drawingml/2006/main" xmlns:r="http://schemas.openxmlformats.org/officeDocument/2006/relationships" xmlns:p1510="http://schemas.microsoft.com/office/powerpoint/2015/10/main">
   <p1510:revLst>
-    <p1510:client id="{64562560-4A63-4231-B6D5-4286EEDA2A42}" v="2" dt="2025-09-29T09:49:01.206"/>
+    <p1510:client id="{64562560-4A63-4231-B6D5-4286EEDA2A42}" v="3" dt="2025-09-29T09:51:20.131"/>
   </p1510:revLst>
 </p1510:revInfo>
 </file>
@@ -125,18 +125,18 @@
   <pc:docChgLst>
     <pc:chgData name="Instructor7 Techbob" userId="b1191c1eb880d70a" providerId="LiveId" clId="{565BF661-A203-4370-8332-53C2A56EA27A}"/>
     <pc:docChg chg="custSel addSld modSld">
-      <pc:chgData name="Instructor7 Techbob" userId="b1191c1eb880d70a" providerId="LiveId" clId="{565BF661-A203-4370-8332-53C2A56EA27A}" dt="2025-09-29T09:49:01.206" v="87"/>
+      <pc:chgData name="Instructor7 Techbob" userId="b1191c1eb880d70a" providerId="LiveId" clId="{565BF661-A203-4370-8332-53C2A56EA27A}" dt="2025-09-29T09:51:24.165" v="94" actId="20577"/>
       <pc:docMkLst>
         <pc:docMk/>
       </pc:docMkLst>
       <pc:sldChg chg="modSp new mod">
-        <pc:chgData name="Instructor7 Techbob" userId="b1191c1eb880d70a" providerId="LiveId" clId="{565BF661-A203-4370-8332-53C2A56EA27A}" dt="2025-09-29T09:49:01.206" v="87"/>
+        <pc:chgData name="Instructor7 Techbob" userId="b1191c1eb880d70a" providerId="LiveId" clId="{565BF661-A203-4370-8332-53C2A56EA27A}" dt="2025-09-29T09:51:24.165" v="94" actId="20577"/>
         <pc:sldMkLst>
           <pc:docMk/>
           <pc:sldMk cId="4188321521" sldId="256"/>
         </pc:sldMkLst>
         <pc:spChg chg="mod">
-          <ac:chgData name="Instructor7 Techbob" userId="b1191c1eb880d70a" providerId="LiveId" clId="{565BF661-A203-4370-8332-53C2A56EA27A}" dt="2025-09-29T09:49:01.206" v="87"/>
+          <ac:chgData name="Instructor7 Techbob" userId="b1191c1eb880d70a" providerId="LiveId" clId="{565BF661-A203-4370-8332-53C2A56EA27A}" dt="2025-09-29T09:51:24.165" v="94" actId="20577"/>
           <ac:spMkLst>
             <pc:docMk/>
             <pc:sldMk cId="4188321521" sldId="256"/>
@@ -3422,8 +3422,12 @@
               <a:rPr lang="en-US" altLang="zh-HK" dirty="0"/>
             </a:br>
             <a:r>
+              <a:rPr lang="en-US" altLang="zh-HK"/>
+              <a:t>z</a:t>
+            </a:r>
+            <a:r>
               <a:rPr lang="en-US" altLang="zh-CN"/>
-              <a:t>gersherhz</a:t>
+              <a:t>ersherhr</a:t>
             </a:r>
             <a:endParaRPr lang="zh-HK" altLang="en-US" dirty="0"/>
           </a:p>
